--- a/github-img.pptx
+++ b/github-img.pptx
@@ -264,7 +264,7 @@
           <a:p>
             <a:fld id="{273FFC24-88DC-475D-ACFE-A2113A8F6D6A}" type="datetimeFigureOut">
               <a:rPr lang="en-US" smtClean="0"/>
-              <a:t>11/30/2024</a:t>
+              <a:t>12/3/2024</a:t>
             </a:fld>
             <a:endParaRPr lang="en-US"/>
           </a:p>
@@ -462,7 +462,7 @@
           <a:p>
             <a:fld id="{273FFC24-88DC-475D-ACFE-A2113A8F6D6A}" type="datetimeFigureOut">
               <a:rPr lang="en-US" smtClean="0"/>
-              <a:t>11/30/2024</a:t>
+              <a:t>12/3/2024</a:t>
             </a:fld>
             <a:endParaRPr lang="en-US"/>
           </a:p>
@@ -670,7 +670,7 @@
           <a:p>
             <a:fld id="{273FFC24-88DC-475D-ACFE-A2113A8F6D6A}" type="datetimeFigureOut">
               <a:rPr lang="en-US" smtClean="0"/>
-              <a:t>11/30/2024</a:t>
+              <a:t>12/3/2024</a:t>
             </a:fld>
             <a:endParaRPr lang="en-US"/>
           </a:p>
@@ -868,7 +868,7 @@
           <a:p>
             <a:fld id="{273FFC24-88DC-475D-ACFE-A2113A8F6D6A}" type="datetimeFigureOut">
               <a:rPr lang="en-US" smtClean="0"/>
-              <a:t>11/30/2024</a:t>
+              <a:t>12/3/2024</a:t>
             </a:fld>
             <a:endParaRPr lang="en-US"/>
           </a:p>
@@ -1143,7 +1143,7 @@
           <a:p>
             <a:fld id="{273FFC24-88DC-475D-ACFE-A2113A8F6D6A}" type="datetimeFigureOut">
               <a:rPr lang="en-US" smtClean="0"/>
-              <a:t>11/30/2024</a:t>
+              <a:t>12/3/2024</a:t>
             </a:fld>
             <a:endParaRPr lang="en-US"/>
           </a:p>
@@ -1408,7 +1408,7 @@
           <a:p>
             <a:fld id="{273FFC24-88DC-475D-ACFE-A2113A8F6D6A}" type="datetimeFigureOut">
               <a:rPr lang="en-US" smtClean="0"/>
-              <a:t>11/30/2024</a:t>
+              <a:t>12/3/2024</a:t>
             </a:fld>
             <a:endParaRPr lang="en-US"/>
           </a:p>
@@ -1820,7 +1820,7 @@
           <a:p>
             <a:fld id="{273FFC24-88DC-475D-ACFE-A2113A8F6D6A}" type="datetimeFigureOut">
               <a:rPr lang="en-US" smtClean="0"/>
-              <a:t>11/30/2024</a:t>
+              <a:t>12/3/2024</a:t>
             </a:fld>
             <a:endParaRPr lang="en-US"/>
           </a:p>
@@ -1961,7 +1961,7 @@
           <a:p>
             <a:fld id="{273FFC24-88DC-475D-ACFE-A2113A8F6D6A}" type="datetimeFigureOut">
               <a:rPr lang="en-US" smtClean="0"/>
-              <a:t>11/30/2024</a:t>
+              <a:t>12/3/2024</a:t>
             </a:fld>
             <a:endParaRPr lang="en-US"/>
           </a:p>
@@ -2074,7 +2074,7 @@
           <a:p>
             <a:fld id="{273FFC24-88DC-475D-ACFE-A2113A8F6D6A}" type="datetimeFigureOut">
               <a:rPr lang="en-US" smtClean="0"/>
-              <a:t>11/30/2024</a:t>
+              <a:t>12/3/2024</a:t>
             </a:fld>
             <a:endParaRPr lang="en-US"/>
           </a:p>
@@ -2385,7 +2385,7 @@
           <a:p>
             <a:fld id="{273FFC24-88DC-475D-ACFE-A2113A8F6D6A}" type="datetimeFigureOut">
               <a:rPr lang="en-US" smtClean="0"/>
-              <a:t>11/30/2024</a:t>
+              <a:t>12/3/2024</a:t>
             </a:fld>
             <a:endParaRPr lang="en-US"/>
           </a:p>
@@ -2673,7 +2673,7 @@
           <a:p>
             <a:fld id="{273FFC24-88DC-475D-ACFE-A2113A8F6D6A}" type="datetimeFigureOut">
               <a:rPr lang="en-US" smtClean="0"/>
-              <a:t>11/30/2024</a:t>
+              <a:t>12/3/2024</a:t>
             </a:fld>
             <a:endParaRPr lang="en-US"/>
           </a:p>
@@ -2914,7 +2914,7 @@
           <a:p>
             <a:fld id="{273FFC24-88DC-475D-ACFE-A2113A8F6D6A}" type="datetimeFigureOut">
               <a:rPr lang="en-US" smtClean="0"/>
-              <a:t>11/30/2024</a:t>
+              <a:t>12/3/2024</a:t>
             </a:fld>
             <a:endParaRPr lang="en-US"/>
           </a:p>
@@ -3333,10 +3333,10 @@
       </p:grpSpPr>
       <p:sp>
         <p:nvSpPr>
-          <p:cNvPr id="44" name="Rectangle 43">
-            <a:extLst>
-              <a:ext uri="{FF2B5EF4-FFF2-40B4-BE49-F238E27FC236}">
-                <a16:creationId xmlns:a16="http://schemas.microsoft.com/office/drawing/2014/main" id="{47F5B15C-691F-CD4E-1B7B-2DED9BD86A93}"/>
+          <p:cNvPr id="2" name="Rectangle 1">
+            <a:extLst>
+              <a:ext uri="{FF2B5EF4-FFF2-40B4-BE49-F238E27FC236}">
+                <a16:creationId xmlns:a16="http://schemas.microsoft.com/office/drawing/2014/main" id="{B5F0A6F0-EA95-21F4-D9A9-08E3DE78C004}"/>
               </a:ext>
             </a:extLst>
           </p:cNvPr>
@@ -3396,7 +3396,7 @@
         </p:nvSpPr>
         <p:spPr>
           <a:xfrm>
-            <a:off x="943037" y="4347207"/>
+            <a:off x="3090813" y="4362022"/>
             <a:ext cx="2089297" cy="1073888"/>
           </a:xfrm>
           <a:prstGeom prst="rect">
@@ -3432,10 +3432,10 @@
       </p:sp>
       <p:sp>
         <p:nvSpPr>
-          <p:cNvPr id="6" name="Rectangle 5">
-            <a:extLst>
-              <a:ext uri="{FF2B5EF4-FFF2-40B4-BE49-F238E27FC236}">
-                <a16:creationId xmlns:a16="http://schemas.microsoft.com/office/drawing/2014/main" id="{D77907F0-B41C-A419-A88A-639A00F475B8}"/>
+          <p:cNvPr id="7" name="Rectangle 6">
+            <a:extLst>
+              <a:ext uri="{FF2B5EF4-FFF2-40B4-BE49-F238E27FC236}">
+                <a16:creationId xmlns:a16="http://schemas.microsoft.com/office/drawing/2014/main" id="{8FB01CA4-BFFC-AEB6-98EB-0DDECC1B57F3}"/>
               </a:ext>
             </a:extLst>
           </p:cNvPr>
@@ -3444,7 +3444,7 @@
         </p:nvSpPr>
         <p:spPr>
           <a:xfrm>
-            <a:off x="3548859" y="4347207"/>
+            <a:off x="6154681" y="4347207"/>
             <a:ext cx="2089297" cy="1073888"/>
           </a:xfrm>
           <a:prstGeom prst="rect">
@@ -3480,10 +3480,10 @@
       </p:sp>
       <p:sp>
         <p:nvSpPr>
-          <p:cNvPr id="7" name="Rectangle 6">
-            <a:extLst>
-              <a:ext uri="{FF2B5EF4-FFF2-40B4-BE49-F238E27FC236}">
-                <a16:creationId xmlns:a16="http://schemas.microsoft.com/office/drawing/2014/main" id="{8FB01CA4-BFFC-AEB6-98EB-0DDECC1B57F3}"/>
+          <p:cNvPr id="9" name="Rectangle 8">
+            <a:extLst>
+              <a:ext uri="{FF2B5EF4-FFF2-40B4-BE49-F238E27FC236}">
+                <a16:creationId xmlns:a16="http://schemas.microsoft.com/office/drawing/2014/main" id="{92724850-DAEA-F4D0-808D-751FE04EA40D}"/>
               </a:ext>
             </a:extLst>
           </p:cNvPr>
@@ -3492,13 +3492,19 @@
         </p:nvSpPr>
         <p:spPr>
           <a:xfrm>
-            <a:off x="6154681" y="4347207"/>
-            <a:ext cx="2089297" cy="1073888"/>
+            <a:off x="2359824" y="984237"/>
+            <a:ext cx="6811465" cy="548340"/>
           </a:xfrm>
           <a:prstGeom prst="rect">
             <a:avLst/>
           </a:prstGeom>
-          <a:ln w="57150"/>
+          <a:ln w="57150">
+            <a:solidFill>
+              <a:schemeClr val="accent2">
+                <a:lumMod val="75000"/>
+              </a:schemeClr>
+            </a:solidFill>
+          </a:ln>
         </p:spPr>
         <p:style>
           <a:lnRef idx="2">
@@ -3521,17 +3527,17 @@
             <a:pPr algn="ctr"/>
             <a:r>
               <a:rPr lang="en-US" sz="3600" dirty="0"/>
-              <a:t>DEVICE</a:t>
-            </a:r>
-          </a:p>
-        </p:txBody>
-      </p:sp>
-      <p:sp>
-        <p:nvSpPr>
-          <p:cNvPr id="8" name="Rectangle 7">
-            <a:extLst>
-              <a:ext uri="{FF2B5EF4-FFF2-40B4-BE49-F238E27FC236}">
-                <a16:creationId xmlns:a16="http://schemas.microsoft.com/office/drawing/2014/main" id="{8057791C-2577-9056-E2D5-BFA6DDAA1529}"/>
+              <a:t>CHANNEL</a:t>
+            </a:r>
+          </a:p>
+        </p:txBody>
+      </p:sp>
+      <p:sp>
+        <p:nvSpPr>
+          <p:cNvPr id="10" name="Rectangle 9">
+            <a:extLst>
+              <a:ext uri="{FF2B5EF4-FFF2-40B4-BE49-F238E27FC236}">
+                <a16:creationId xmlns:a16="http://schemas.microsoft.com/office/drawing/2014/main" id="{5F6E9E89-99ED-91C4-F27A-55B62293D625}"/>
               </a:ext>
             </a:extLst>
           </p:cNvPr>
@@ -3540,13 +3546,19 @@
         </p:nvSpPr>
         <p:spPr>
           <a:xfrm>
-            <a:off x="8760503" y="4347207"/>
-            <a:ext cx="2089297" cy="1073888"/>
+            <a:off x="2576463" y="1139167"/>
+            <a:ext cx="6811465" cy="548340"/>
           </a:xfrm>
           <a:prstGeom prst="rect">
             <a:avLst/>
           </a:prstGeom>
-          <a:ln w="57150"/>
+          <a:ln w="57150">
+            <a:solidFill>
+              <a:schemeClr val="accent2">
+                <a:lumMod val="75000"/>
+              </a:schemeClr>
+            </a:solidFill>
+          </a:ln>
         </p:spPr>
         <p:style>
           <a:lnRef idx="2">
@@ -3569,17 +3581,17 @@
             <a:pPr algn="ctr"/>
             <a:r>
               <a:rPr lang="en-US" sz="3600" dirty="0"/>
-              <a:t>DEVICE</a:t>
-            </a:r>
-          </a:p>
-        </p:txBody>
-      </p:sp>
-      <p:sp>
-        <p:nvSpPr>
-          <p:cNvPr id="9" name="Rectangle 8">
-            <a:extLst>
-              <a:ext uri="{FF2B5EF4-FFF2-40B4-BE49-F238E27FC236}">
-                <a16:creationId xmlns:a16="http://schemas.microsoft.com/office/drawing/2014/main" id="{92724850-DAEA-F4D0-808D-751FE04EA40D}"/>
+              <a:t>CHANNEL</a:t>
+            </a:r>
+          </a:p>
+        </p:txBody>
+      </p:sp>
+      <p:sp>
+        <p:nvSpPr>
+          <p:cNvPr id="11" name="Rectangle 10">
+            <a:extLst>
+              <a:ext uri="{FF2B5EF4-FFF2-40B4-BE49-F238E27FC236}">
+                <a16:creationId xmlns:a16="http://schemas.microsoft.com/office/drawing/2014/main" id="{ADC95E56-84C7-3EB1-862F-B1DA003BE1D9}"/>
               </a:ext>
             </a:extLst>
           </p:cNvPr>
@@ -3588,8 +3600,8 @@
         </p:nvSpPr>
         <p:spPr>
           <a:xfrm>
-            <a:off x="1285653" y="1008950"/>
-            <a:ext cx="9000000" cy="548340"/>
+            <a:off x="2793101" y="1294097"/>
+            <a:ext cx="6811465" cy="548340"/>
           </a:xfrm>
           <a:prstGeom prst="rect">
             <a:avLst/>
@@ -3630,10 +3642,10 @@
       </p:sp>
       <p:sp>
         <p:nvSpPr>
-          <p:cNvPr id="10" name="Rectangle 9">
-            <a:extLst>
-              <a:ext uri="{FF2B5EF4-FFF2-40B4-BE49-F238E27FC236}">
-                <a16:creationId xmlns:a16="http://schemas.microsoft.com/office/drawing/2014/main" id="{5F6E9E89-99ED-91C4-F27A-55B62293D625}"/>
+          <p:cNvPr id="12" name="Rectangle 11">
+            <a:extLst>
+              <a:ext uri="{FF2B5EF4-FFF2-40B4-BE49-F238E27FC236}">
+                <a16:creationId xmlns:a16="http://schemas.microsoft.com/office/drawing/2014/main" id="{D6E37D9F-4236-EF91-38D9-8F32C784F2CB}"/>
               </a:ext>
             </a:extLst>
           </p:cNvPr>
@@ -3642,8 +3654,8 @@
         </p:nvSpPr>
         <p:spPr>
           <a:xfrm>
-            <a:off x="1502292" y="1163880"/>
-            <a:ext cx="9000000" cy="548340"/>
+            <a:off x="3090813" y="1454343"/>
+            <a:ext cx="6811465" cy="548340"/>
           </a:xfrm>
           <a:prstGeom prst="rect">
             <a:avLst/>
@@ -3684,10 +3696,10 @@
       </p:sp>
       <p:sp>
         <p:nvSpPr>
-          <p:cNvPr id="11" name="Rectangle 10">
-            <a:extLst>
-              <a:ext uri="{FF2B5EF4-FFF2-40B4-BE49-F238E27FC236}">
-                <a16:creationId xmlns:a16="http://schemas.microsoft.com/office/drawing/2014/main" id="{ADC95E56-84C7-3EB1-862F-B1DA003BE1D9}"/>
+          <p:cNvPr id="15" name="Rectangle 14">
+            <a:extLst>
+              <a:ext uri="{FF2B5EF4-FFF2-40B4-BE49-F238E27FC236}">
+                <a16:creationId xmlns:a16="http://schemas.microsoft.com/office/drawing/2014/main" id="{708EF07D-5C66-F9A4-9453-1FBAE4A83079}"/>
               </a:ext>
             </a:extLst>
           </p:cNvPr>
@@ -3696,19 +3708,13 @@
         </p:nvSpPr>
         <p:spPr>
           <a:xfrm>
-            <a:off x="1718930" y="1318810"/>
-            <a:ext cx="9000000" cy="548340"/>
+            <a:off x="6277558" y="4502137"/>
+            <a:ext cx="2089297" cy="1073888"/>
           </a:xfrm>
           <a:prstGeom prst="rect">
             <a:avLst/>
           </a:prstGeom>
-          <a:ln w="57150">
-            <a:solidFill>
-              <a:schemeClr val="accent2">
-                <a:lumMod val="75000"/>
-              </a:schemeClr>
-            </a:solidFill>
-          </a:ln>
+          <a:ln w="57150"/>
         </p:spPr>
         <p:style>
           <a:lnRef idx="2">
@@ -3731,17 +3737,17 @@
             <a:pPr algn="ctr"/>
             <a:r>
               <a:rPr lang="en-US" sz="3600" dirty="0"/>
-              <a:t>CHANNEL</a:t>
-            </a:r>
-          </a:p>
-        </p:txBody>
-      </p:sp>
-      <p:sp>
-        <p:nvSpPr>
-          <p:cNvPr id="12" name="Rectangle 11">
-            <a:extLst>
-              <a:ext uri="{FF2B5EF4-FFF2-40B4-BE49-F238E27FC236}">
-                <a16:creationId xmlns:a16="http://schemas.microsoft.com/office/drawing/2014/main" id="{D6E37D9F-4236-EF91-38D9-8F32C784F2CB}"/>
+              <a:t>DEVICE</a:t>
+            </a:r>
+          </a:p>
+        </p:txBody>
+      </p:sp>
+      <p:sp>
+        <p:nvSpPr>
+          <p:cNvPr id="19" name="Rectangle 18">
+            <a:extLst>
+              <a:ext uri="{FF2B5EF4-FFF2-40B4-BE49-F238E27FC236}">
+                <a16:creationId xmlns:a16="http://schemas.microsoft.com/office/drawing/2014/main" id="{02EC4CBC-0DF6-B277-7D1D-7ABDA84F9584}"/>
               </a:ext>
             </a:extLst>
           </p:cNvPr>
@@ -3750,19 +3756,13 @@
         </p:nvSpPr>
         <p:spPr>
           <a:xfrm>
-            <a:off x="2016642" y="1479056"/>
-            <a:ext cx="9000000" cy="548340"/>
+            <a:off x="6430968" y="4695044"/>
+            <a:ext cx="2089297" cy="1073888"/>
           </a:xfrm>
           <a:prstGeom prst="rect">
             <a:avLst/>
           </a:prstGeom>
-          <a:ln w="57150">
-            <a:solidFill>
-              <a:schemeClr val="accent2">
-                <a:lumMod val="75000"/>
-              </a:schemeClr>
-            </a:solidFill>
-          </a:ln>
+          <a:ln w="57150"/>
         </p:spPr>
         <p:style>
           <a:lnRef idx="2">
@@ -3785,17 +3785,17 @@
             <a:pPr algn="ctr"/>
             <a:r>
               <a:rPr lang="en-US" sz="3600" dirty="0"/>
-              <a:t>CHANNEL</a:t>
-            </a:r>
-          </a:p>
-        </p:txBody>
-      </p:sp>
-      <p:sp>
-        <p:nvSpPr>
-          <p:cNvPr id="13" name="Rectangle 12">
-            <a:extLst>
-              <a:ext uri="{FF2B5EF4-FFF2-40B4-BE49-F238E27FC236}">
-                <a16:creationId xmlns:a16="http://schemas.microsoft.com/office/drawing/2014/main" id="{ABC5604E-7EB9-A065-B432-DD01E9CD4530}"/>
+              <a:t>DEVICE</a:t>
+            </a:r>
+          </a:p>
+        </p:txBody>
+      </p:sp>
+      <p:sp>
+        <p:nvSpPr>
+          <p:cNvPr id="23" name="Rectangle 22">
+            <a:extLst>
+              <a:ext uri="{FF2B5EF4-FFF2-40B4-BE49-F238E27FC236}">
+                <a16:creationId xmlns:a16="http://schemas.microsoft.com/office/drawing/2014/main" id="{1926C8FC-C43B-DC6B-751D-18EA13FB281B}"/>
               </a:ext>
             </a:extLst>
           </p:cNvPr>
@@ -3804,7 +3804,7 @@
         </p:nvSpPr>
         <p:spPr>
           <a:xfrm>
-            <a:off x="1065914" y="4502137"/>
+            <a:off x="6584378" y="4892880"/>
             <a:ext cx="2089297" cy="1073888"/>
           </a:xfrm>
           <a:prstGeom prst="rect">
@@ -3838,534 +3838,6 @@
           </a:p>
         </p:txBody>
       </p:sp>
-      <p:sp>
-        <p:nvSpPr>
-          <p:cNvPr id="14" name="Rectangle 13">
-            <a:extLst>
-              <a:ext uri="{FF2B5EF4-FFF2-40B4-BE49-F238E27FC236}">
-                <a16:creationId xmlns:a16="http://schemas.microsoft.com/office/drawing/2014/main" id="{17F03503-73D4-DF7B-26DA-B5D4DD58E810}"/>
-              </a:ext>
-            </a:extLst>
-          </p:cNvPr>
-          <p:cNvSpPr/>
-          <p:nvPr/>
-        </p:nvSpPr>
-        <p:spPr>
-          <a:xfrm>
-            <a:off x="3671736" y="4502137"/>
-            <a:ext cx="2089297" cy="1073888"/>
-          </a:xfrm>
-          <a:prstGeom prst="rect">
-            <a:avLst/>
-          </a:prstGeom>
-          <a:ln w="57150"/>
-        </p:spPr>
-        <p:style>
-          <a:lnRef idx="2">
-            <a:schemeClr val="accent6"/>
-          </a:lnRef>
-          <a:fillRef idx="1">
-            <a:schemeClr val="lt1"/>
-          </a:fillRef>
-          <a:effectRef idx="0">
-            <a:schemeClr val="accent6"/>
-          </a:effectRef>
-          <a:fontRef idx="minor">
-            <a:schemeClr val="dk1"/>
-          </a:fontRef>
-        </p:style>
-        <p:txBody>
-          <a:bodyPr rtlCol="0" anchor="ctr"/>
-          <a:lstStyle/>
-          <a:p>
-            <a:pPr algn="ctr"/>
-            <a:r>
-              <a:rPr lang="en-US" sz="3600" dirty="0"/>
-              <a:t>DEVICE</a:t>
-            </a:r>
-          </a:p>
-        </p:txBody>
-      </p:sp>
-      <p:sp>
-        <p:nvSpPr>
-          <p:cNvPr id="15" name="Rectangle 14">
-            <a:extLst>
-              <a:ext uri="{FF2B5EF4-FFF2-40B4-BE49-F238E27FC236}">
-                <a16:creationId xmlns:a16="http://schemas.microsoft.com/office/drawing/2014/main" id="{708EF07D-5C66-F9A4-9453-1FBAE4A83079}"/>
-              </a:ext>
-            </a:extLst>
-          </p:cNvPr>
-          <p:cNvSpPr/>
-          <p:nvPr/>
-        </p:nvSpPr>
-        <p:spPr>
-          <a:xfrm>
-            <a:off x="6277558" y="4502137"/>
-            <a:ext cx="2089297" cy="1073888"/>
-          </a:xfrm>
-          <a:prstGeom prst="rect">
-            <a:avLst/>
-          </a:prstGeom>
-          <a:ln w="57150"/>
-        </p:spPr>
-        <p:style>
-          <a:lnRef idx="2">
-            <a:schemeClr val="accent6"/>
-          </a:lnRef>
-          <a:fillRef idx="1">
-            <a:schemeClr val="lt1"/>
-          </a:fillRef>
-          <a:effectRef idx="0">
-            <a:schemeClr val="accent6"/>
-          </a:effectRef>
-          <a:fontRef idx="minor">
-            <a:schemeClr val="dk1"/>
-          </a:fontRef>
-        </p:style>
-        <p:txBody>
-          <a:bodyPr rtlCol="0" anchor="ctr"/>
-          <a:lstStyle/>
-          <a:p>
-            <a:pPr algn="ctr"/>
-            <a:r>
-              <a:rPr lang="en-US" sz="3600" dirty="0"/>
-              <a:t>DEVICE</a:t>
-            </a:r>
-          </a:p>
-        </p:txBody>
-      </p:sp>
-      <p:sp>
-        <p:nvSpPr>
-          <p:cNvPr id="16" name="Rectangle 15">
-            <a:extLst>
-              <a:ext uri="{FF2B5EF4-FFF2-40B4-BE49-F238E27FC236}">
-                <a16:creationId xmlns:a16="http://schemas.microsoft.com/office/drawing/2014/main" id="{E74C6AE5-2A2C-179A-6D1A-034F0B45FDFD}"/>
-              </a:ext>
-            </a:extLst>
-          </p:cNvPr>
-          <p:cNvSpPr/>
-          <p:nvPr/>
-        </p:nvSpPr>
-        <p:spPr>
-          <a:xfrm>
-            <a:off x="8883380" y="4502137"/>
-            <a:ext cx="2089297" cy="1073888"/>
-          </a:xfrm>
-          <a:prstGeom prst="rect">
-            <a:avLst/>
-          </a:prstGeom>
-          <a:ln w="57150"/>
-        </p:spPr>
-        <p:style>
-          <a:lnRef idx="2">
-            <a:schemeClr val="accent6"/>
-          </a:lnRef>
-          <a:fillRef idx="1">
-            <a:schemeClr val="lt1"/>
-          </a:fillRef>
-          <a:effectRef idx="0">
-            <a:schemeClr val="accent6"/>
-          </a:effectRef>
-          <a:fontRef idx="minor">
-            <a:schemeClr val="dk1"/>
-          </a:fontRef>
-        </p:style>
-        <p:txBody>
-          <a:bodyPr rtlCol="0" anchor="ctr"/>
-          <a:lstStyle/>
-          <a:p>
-            <a:pPr algn="ctr"/>
-            <a:r>
-              <a:rPr lang="en-US" sz="3600" dirty="0"/>
-              <a:t>DEVICE</a:t>
-            </a:r>
-          </a:p>
-        </p:txBody>
-      </p:sp>
-      <p:sp>
-        <p:nvSpPr>
-          <p:cNvPr id="17" name="Rectangle 16">
-            <a:extLst>
-              <a:ext uri="{FF2B5EF4-FFF2-40B4-BE49-F238E27FC236}">
-                <a16:creationId xmlns:a16="http://schemas.microsoft.com/office/drawing/2014/main" id="{FE5D00F9-06BF-575D-7B5A-E1ED8109817B}"/>
-              </a:ext>
-            </a:extLst>
-          </p:cNvPr>
-          <p:cNvSpPr/>
-          <p:nvPr/>
-        </p:nvSpPr>
-        <p:spPr>
-          <a:xfrm>
-            <a:off x="1219324" y="4695044"/>
-            <a:ext cx="2089297" cy="1073888"/>
-          </a:xfrm>
-          <a:prstGeom prst="rect">
-            <a:avLst/>
-          </a:prstGeom>
-          <a:ln w="57150"/>
-        </p:spPr>
-        <p:style>
-          <a:lnRef idx="2">
-            <a:schemeClr val="accent6"/>
-          </a:lnRef>
-          <a:fillRef idx="1">
-            <a:schemeClr val="lt1"/>
-          </a:fillRef>
-          <a:effectRef idx="0">
-            <a:schemeClr val="accent6"/>
-          </a:effectRef>
-          <a:fontRef idx="minor">
-            <a:schemeClr val="dk1"/>
-          </a:fontRef>
-        </p:style>
-        <p:txBody>
-          <a:bodyPr rtlCol="0" anchor="ctr"/>
-          <a:lstStyle/>
-          <a:p>
-            <a:pPr algn="ctr"/>
-            <a:r>
-              <a:rPr lang="en-US" sz="3600" dirty="0"/>
-              <a:t>DEVICE</a:t>
-            </a:r>
-          </a:p>
-        </p:txBody>
-      </p:sp>
-      <p:sp>
-        <p:nvSpPr>
-          <p:cNvPr id="18" name="Rectangle 17">
-            <a:extLst>
-              <a:ext uri="{FF2B5EF4-FFF2-40B4-BE49-F238E27FC236}">
-                <a16:creationId xmlns:a16="http://schemas.microsoft.com/office/drawing/2014/main" id="{989D3A5D-4D7E-F321-27A9-D0B3B70411DA}"/>
-              </a:ext>
-            </a:extLst>
-          </p:cNvPr>
-          <p:cNvSpPr/>
-          <p:nvPr/>
-        </p:nvSpPr>
-        <p:spPr>
-          <a:xfrm>
-            <a:off x="3825146" y="4695044"/>
-            <a:ext cx="2089297" cy="1073888"/>
-          </a:xfrm>
-          <a:prstGeom prst="rect">
-            <a:avLst/>
-          </a:prstGeom>
-          <a:ln w="57150"/>
-        </p:spPr>
-        <p:style>
-          <a:lnRef idx="2">
-            <a:schemeClr val="accent6"/>
-          </a:lnRef>
-          <a:fillRef idx="1">
-            <a:schemeClr val="lt1"/>
-          </a:fillRef>
-          <a:effectRef idx="0">
-            <a:schemeClr val="accent6"/>
-          </a:effectRef>
-          <a:fontRef idx="minor">
-            <a:schemeClr val="dk1"/>
-          </a:fontRef>
-        </p:style>
-        <p:txBody>
-          <a:bodyPr rtlCol="0" anchor="ctr"/>
-          <a:lstStyle/>
-          <a:p>
-            <a:pPr algn="ctr"/>
-            <a:r>
-              <a:rPr lang="en-US" sz="3600" dirty="0"/>
-              <a:t>DEVICE</a:t>
-            </a:r>
-          </a:p>
-        </p:txBody>
-      </p:sp>
-      <p:sp>
-        <p:nvSpPr>
-          <p:cNvPr id="19" name="Rectangle 18">
-            <a:extLst>
-              <a:ext uri="{FF2B5EF4-FFF2-40B4-BE49-F238E27FC236}">
-                <a16:creationId xmlns:a16="http://schemas.microsoft.com/office/drawing/2014/main" id="{02EC4CBC-0DF6-B277-7D1D-7ABDA84F9584}"/>
-              </a:ext>
-            </a:extLst>
-          </p:cNvPr>
-          <p:cNvSpPr/>
-          <p:nvPr/>
-        </p:nvSpPr>
-        <p:spPr>
-          <a:xfrm>
-            <a:off x="6430968" y="4695044"/>
-            <a:ext cx="2089297" cy="1073888"/>
-          </a:xfrm>
-          <a:prstGeom prst="rect">
-            <a:avLst/>
-          </a:prstGeom>
-          <a:ln w="57150"/>
-        </p:spPr>
-        <p:style>
-          <a:lnRef idx="2">
-            <a:schemeClr val="accent6"/>
-          </a:lnRef>
-          <a:fillRef idx="1">
-            <a:schemeClr val="lt1"/>
-          </a:fillRef>
-          <a:effectRef idx="0">
-            <a:schemeClr val="accent6"/>
-          </a:effectRef>
-          <a:fontRef idx="minor">
-            <a:schemeClr val="dk1"/>
-          </a:fontRef>
-        </p:style>
-        <p:txBody>
-          <a:bodyPr rtlCol="0" anchor="ctr"/>
-          <a:lstStyle/>
-          <a:p>
-            <a:pPr algn="ctr"/>
-            <a:r>
-              <a:rPr lang="en-US" sz="3600" dirty="0"/>
-              <a:t>DEVICE</a:t>
-            </a:r>
-          </a:p>
-        </p:txBody>
-      </p:sp>
-      <p:sp>
-        <p:nvSpPr>
-          <p:cNvPr id="20" name="Rectangle 19">
-            <a:extLst>
-              <a:ext uri="{FF2B5EF4-FFF2-40B4-BE49-F238E27FC236}">
-                <a16:creationId xmlns:a16="http://schemas.microsoft.com/office/drawing/2014/main" id="{8D44AE28-A098-BE6B-45AF-9C39D57D7EE2}"/>
-              </a:ext>
-            </a:extLst>
-          </p:cNvPr>
-          <p:cNvSpPr/>
-          <p:nvPr/>
-        </p:nvSpPr>
-        <p:spPr>
-          <a:xfrm>
-            <a:off x="9036790" y="4695044"/>
-            <a:ext cx="2089297" cy="1073888"/>
-          </a:xfrm>
-          <a:prstGeom prst="rect">
-            <a:avLst/>
-          </a:prstGeom>
-          <a:ln w="57150"/>
-        </p:spPr>
-        <p:style>
-          <a:lnRef idx="2">
-            <a:schemeClr val="accent6"/>
-          </a:lnRef>
-          <a:fillRef idx="1">
-            <a:schemeClr val="lt1"/>
-          </a:fillRef>
-          <a:effectRef idx="0">
-            <a:schemeClr val="accent6"/>
-          </a:effectRef>
-          <a:fontRef idx="minor">
-            <a:schemeClr val="dk1"/>
-          </a:fontRef>
-        </p:style>
-        <p:txBody>
-          <a:bodyPr rtlCol="0" anchor="ctr"/>
-          <a:lstStyle/>
-          <a:p>
-            <a:pPr algn="ctr"/>
-            <a:r>
-              <a:rPr lang="en-US" sz="3600" dirty="0"/>
-              <a:t>DEVICE</a:t>
-            </a:r>
-          </a:p>
-        </p:txBody>
-      </p:sp>
-      <p:sp>
-        <p:nvSpPr>
-          <p:cNvPr id="21" name="Rectangle 20">
-            <a:extLst>
-              <a:ext uri="{FF2B5EF4-FFF2-40B4-BE49-F238E27FC236}">
-                <a16:creationId xmlns:a16="http://schemas.microsoft.com/office/drawing/2014/main" id="{B5A7B682-1457-0A76-86AA-710CEE4A8FFC}"/>
-              </a:ext>
-            </a:extLst>
-          </p:cNvPr>
-          <p:cNvSpPr/>
-          <p:nvPr/>
-        </p:nvSpPr>
-        <p:spPr>
-          <a:xfrm>
-            <a:off x="1372734" y="4892880"/>
-            <a:ext cx="2089297" cy="1073888"/>
-          </a:xfrm>
-          <a:prstGeom prst="rect">
-            <a:avLst/>
-          </a:prstGeom>
-          <a:ln w="57150"/>
-        </p:spPr>
-        <p:style>
-          <a:lnRef idx="2">
-            <a:schemeClr val="accent6"/>
-          </a:lnRef>
-          <a:fillRef idx="1">
-            <a:schemeClr val="lt1"/>
-          </a:fillRef>
-          <a:effectRef idx="0">
-            <a:schemeClr val="accent6"/>
-          </a:effectRef>
-          <a:fontRef idx="minor">
-            <a:schemeClr val="dk1"/>
-          </a:fontRef>
-        </p:style>
-        <p:txBody>
-          <a:bodyPr rtlCol="0" anchor="ctr"/>
-          <a:lstStyle/>
-          <a:p>
-            <a:pPr algn="ctr"/>
-            <a:r>
-              <a:rPr lang="en-US" sz="3600" dirty="0"/>
-              <a:t>DEVICE</a:t>
-            </a:r>
-          </a:p>
-        </p:txBody>
-      </p:sp>
-      <p:sp>
-        <p:nvSpPr>
-          <p:cNvPr id="22" name="Rectangle 21">
-            <a:extLst>
-              <a:ext uri="{FF2B5EF4-FFF2-40B4-BE49-F238E27FC236}">
-                <a16:creationId xmlns:a16="http://schemas.microsoft.com/office/drawing/2014/main" id="{F2ECF609-D252-D878-0E5A-666AFEF8D627}"/>
-              </a:ext>
-            </a:extLst>
-          </p:cNvPr>
-          <p:cNvSpPr/>
-          <p:nvPr/>
-        </p:nvSpPr>
-        <p:spPr>
-          <a:xfrm>
-            <a:off x="3978556" y="4892880"/>
-            <a:ext cx="2089297" cy="1073888"/>
-          </a:xfrm>
-          <a:prstGeom prst="rect">
-            <a:avLst/>
-          </a:prstGeom>
-          <a:ln w="57150"/>
-        </p:spPr>
-        <p:style>
-          <a:lnRef idx="2">
-            <a:schemeClr val="accent6"/>
-          </a:lnRef>
-          <a:fillRef idx="1">
-            <a:schemeClr val="lt1"/>
-          </a:fillRef>
-          <a:effectRef idx="0">
-            <a:schemeClr val="accent6"/>
-          </a:effectRef>
-          <a:fontRef idx="minor">
-            <a:schemeClr val="dk1"/>
-          </a:fontRef>
-        </p:style>
-        <p:txBody>
-          <a:bodyPr rtlCol="0" anchor="ctr"/>
-          <a:lstStyle/>
-          <a:p>
-            <a:pPr algn="ctr"/>
-            <a:r>
-              <a:rPr lang="en-US" sz="3600" dirty="0"/>
-              <a:t>DEVICE</a:t>
-            </a:r>
-          </a:p>
-        </p:txBody>
-      </p:sp>
-      <p:sp>
-        <p:nvSpPr>
-          <p:cNvPr id="23" name="Rectangle 22">
-            <a:extLst>
-              <a:ext uri="{FF2B5EF4-FFF2-40B4-BE49-F238E27FC236}">
-                <a16:creationId xmlns:a16="http://schemas.microsoft.com/office/drawing/2014/main" id="{1926C8FC-C43B-DC6B-751D-18EA13FB281B}"/>
-              </a:ext>
-            </a:extLst>
-          </p:cNvPr>
-          <p:cNvSpPr/>
-          <p:nvPr/>
-        </p:nvSpPr>
-        <p:spPr>
-          <a:xfrm>
-            <a:off x="6584378" y="4892880"/>
-            <a:ext cx="2089297" cy="1073888"/>
-          </a:xfrm>
-          <a:prstGeom prst="rect">
-            <a:avLst/>
-          </a:prstGeom>
-          <a:ln w="57150"/>
-        </p:spPr>
-        <p:style>
-          <a:lnRef idx="2">
-            <a:schemeClr val="accent6"/>
-          </a:lnRef>
-          <a:fillRef idx="1">
-            <a:schemeClr val="lt1"/>
-          </a:fillRef>
-          <a:effectRef idx="0">
-            <a:schemeClr val="accent6"/>
-          </a:effectRef>
-          <a:fontRef idx="minor">
-            <a:schemeClr val="dk1"/>
-          </a:fontRef>
-        </p:style>
-        <p:txBody>
-          <a:bodyPr rtlCol="0" anchor="ctr"/>
-          <a:lstStyle/>
-          <a:p>
-            <a:pPr algn="ctr"/>
-            <a:r>
-              <a:rPr lang="en-US" sz="3600" dirty="0"/>
-              <a:t>DEVICE</a:t>
-            </a:r>
-          </a:p>
-        </p:txBody>
-      </p:sp>
-      <p:sp>
-        <p:nvSpPr>
-          <p:cNvPr id="24" name="Rectangle 23">
-            <a:extLst>
-              <a:ext uri="{FF2B5EF4-FFF2-40B4-BE49-F238E27FC236}">
-                <a16:creationId xmlns:a16="http://schemas.microsoft.com/office/drawing/2014/main" id="{6B1C1B3C-5644-0935-B383-32617A228C59}"/>
-              </a:ext>
-            </a:extLst>
-          </p:cNvPr>
-          <p:cNvSpPr/>
-          <p:nvPr/>
-        </p:nvSpPr>
-        <p:spPr>
-          <a:xfrm>
-            <a:off x="9190200" y="4892880"/>
-            <a:ext cx="2089297" cy="1073888"/>
-          </a:xfrm>
-          <a:prstGeom prst="rect">
-            <a:avLst/>
-          </a:prstGeom>
-          <a:ln w="57150"/>
-        </p:spPr>
-        <p:style>
-          <a:lnRef idx="2">
-            <a:schemeClr val="accent6"/>
-          </a:lnRef>
-          <a:fillRef idx="1">
-            <a:schemeClr val="lt1"/>
-          </a:fillRef>
-          <a:effectRef idx="0">
-            <a:schemeClr val="accent6"/>
-          </a:effectRef>
-          <a:fontRef idx="minor">
-            <a:schemeClr val="dk1"/>
-          </a:fontRef>
-        </p:style>
-        <p:txBody>
-          <a:bodyPr rtlCol="0" anchor="ctr"/>
-          <a:lstStyle/>
-          <a:p>
-            <a:pPr algn="ctr"/>
-            <a:r>
-              <a:rPr lang="en-US" sz="3600" dirty="0"/>
-              <a:t>DEVICE</a:t>
-            </a:r>
-          </a:p>
-        </p:txBody>
-      </p:sp>
       <p:cxnSp>
         <p:nvCxnSpPr>
           <p:cNvPr id="25" name="Straight Arrow Connector 24">
@@ -4382,7 +3854,7 @@
         </p:nvCxnSpPr>
         <p:spPr>
           <a:xfrm flipV="1">
-            <a:off x="2248785" y="2339914"/>
+            <a:off x="4396561" y="2354729"/>
             <a:ext cx="0" cy="1806784"/>
           </a:xfrm>
           <a:prstGeom prst="straightConnector1">
@@ -4421,7 +3893,7 @@
         </p:nvSpPr>
         <p:spPr>
           <a:xfrm>
-            <a:off x="849512" y="2735474"/>
+            <a:off x="2997288" y="2750289"/>
             <a:ext cx="1521357" cy="1015663"/>
           </a:xfrm>
           <a:prstGeom prst="rect">
@@ -4483,10 +3955,10 @@
       </p:sp>
       <p:cxnSp>
         <p:nvCxnSpPr>
-          <p:cNvPr id="29" name="Straight Arrow Connector 28">
-            <a:extLst>
-              <a:ext uri="{FF2B5EF4-FFF2-40B4-BE49-F238E27FC236}">
-                <a16:creationId xmlns:a16="http://schemas.microsoft.com/office/drawing/2014/main" id="{D9E25457-20D1-1C5F-C32B-4DD1E1076ABE}"/>
+          <p:cNvPr id="32" name="Straight Arrow Connector 31">
+            <a:extLst>
+              <a:ext uri="{FF2B5EF4-FFF2-40B4-BE49-F238E27FC236}">
+                <a16:creationId xmlns:a16="http://schemas.microsoft.com/office/drawing/2014/main" id="{8A66C04F-0619-00B0-54CC-E0476D2AD454}"/>
               </a:ext>
             </a:extLst>
           </p:cNvPr>
@@ -4497,130 +3969,7 @@
         </p:nvCxnSpPr>
         <p:spPr>
           <a:xfrm>
-            <a:off x="5315036" y="2224931"/>
-            <a:ext cx="0" cy="1806784"/>
-          </a:xfrm>
-          <a:prstGeom prst="straightConnector1">
-            <a:avLst/>
-          </a:prstGeom>
-          <a:ln w="57150">
-            <a:tailEnd type="triangle"/>
-          </a:ln>
-        </p:spPr>
-        <p:style>
-          <a:lnRef idx="1">
-            <a:schemeClr val="accent1"/>
-          </a:lnRef>
-          <a:fillRef idx="0">
-            <a:schemeClr val="accent1"/>
-          </a:fillRef>
-          <a:effectRef idx="0">
-            <a:schemeClr val="accent1"/>
-          </a:effectRef>
-          <a:fontRef idx="minor">
-            <a:schemeClr val="tx1"/>
-          </a:fontRef>
-        </p:style>
-      </p:cxnSp>
-      <p:cxnSp>
-        <p:nvCxnSpPr>
-          <p:cNvPr id="30" name="Straight Arrow Connector 29">
-            <a:extLst>
-              <a:ext uri="{FF2B5EF4-FFF2-40B4-BE49-F238E27FC236}">
-                <a16:creationId xmlns:a16="http://schemas.microsoft.com/office/drawing/2014/main" id="{FB8E8C04-88C2-6AB1-C914-FE34F326424B}"/>
-              </a:ext>
-            </a:extLst>
-          </p:cNvPr>
-          <p:cNvCxnSpPr>
-            <a:cxnSpLocks/>
-          </p:cNvCxnSpPr>
-          <p:nvPr/>
-        </p:nvCxnSpPr>
-        <p:spPr>
-          <a:xfrm>
-            <a:off x="5838258" y="2224931"/>
-            <a:ext cx="0" cy="1806784"/>
-          </a:xfrm>
-          <a:prstGeom prst="straightConnector1">
-            <a:avLst/>
-          </a:prstGeom>
-          <a:ln w="57150">
-            <a:tailEnd type="triangle"/>
-          </a:ln>
-        </p:spPr>
-        <p:style>
-          <a:lnRef idx="1">
-            <a:schemeClr val="accent1"/>
-          </a:lnRef>
-          <a:fillRef idx="0">
-            <a:schemeClr val="accent1"/>
-          </a:fillRef>
-          <a:effectRef idx="0">
-            <a:schemeClr val="accent1"/>
-          </a:effectRef>
-          <a:fontRef idx="minor">
-            <a:schemeClr val="tx1"/>
-          </a:fontRef>
-        </p:style>
-      </p:cxnSp>
-      <p:cxnSp>
-        <p:nvCxnSpPr>
-          <p:cNvPr id="31" name="Straight Arrow Connector 30">
-            <a:extLst>
-              <a:ext uri="{FF2B5EF4-FFF2-40B4-BE49-F238E27FC236}">
-                <a16:creationId xmlns:a16="http://schemas.microsoft.com/office/drawing/2014/main" id="{2323E166-33B1-EC83-8A05-F71069C1FA86}"/>
-              </a:ext>
-            </a:extLst>
-          </p:cNvPr>
-          <p:cNvCxnSpPr>
-            <a:cxnSpLocks/>
-          </p:cNvCxnSpPr>
-          <p:nvPr/>
-        </p:nvCxnSpPr>
-        <p:spPr>
-          <a:xfrm>
-            <a:off x="6361480" y="2224931"/>
-            <a:ext cx="0" cy="1806784"/>
-          </a:xfrm>
-          <a:prstGeom prst="straightConnector1">
-            <a:avLst/>
-          </a:prstGeom>
-          <a:ln w="57150">
-            <a:tailEnd type="triangle"/>
-          </a:ln>
-        </p:spPr>
-        <p:style>
-          <a:lnRef idx="1">
-            <a:schemeClr val="accent1"/>
-          </a:lnRef>
-          <a:fillRef idx="0">
-            <a:schemeClr val="accent1"/>
-          </a:fillRef>
-          <a:effectRef idx="0">
-            <a:schemeClr val="accent1"/>
-          </a:effectRef>
-          <a:fontRef idx="minor">
-            <a:schemeClr val="tx1"/>
-          </a:fontRef>
-        </p:style>
-      </p:cxnSp>
-      <p:cxnSp>
-        <p:nvCxnSpPr>
-          <p:cNvPr id="32" name="Straight Arrow Connector 31">
-            <a:extLst>
-              <a:ext uri="{FF2B5EF4-FFF2-40B4-BE49-F238E27FC236}">
-                <a16:creationId xmlns:a16="http://schemas.microsoft.com/office/drawing/2014/main" id="{8A66C04F-0619-00B0-54CC-E0476D2AD454}"/>
-              </a:ext>
-            </a:extLst>
-          </p:cNvPr>
-          <p:cNvCxnSpPr>
-            <a:cxnSpLocks/>
-          </p:cNvCxnSpPr>
-          <p:nvPr/>
-        </p:nvCxnSpPr>
-        <p:spPr>
-          <a:xfrm>
-            <a:off x="6884702" y="2224931"/>
+            <a:off x="6438135" y="2224931"/>
             <a:ext cx="0" cy="1806784"/>
           </a:xfrm>
           <a:prstGeom prst="straightConnector1">
@@ -4661,7 +4010,7 @@
         </p:nvCxnSpPr>
         <p:spPr>
           <a:xfrm>
-            <a:off x="7407924" y="2224931"/>
+            <a:off x="6961357" y="2224931"/>
             <a:ext cx="0" cy="1806784"/>
           </a:xfrm>
           <a:prstGeom prst="straightConnector1">
@@ -4702,7 +4051,7 @@
         </p:nvCxnSpPr>
         <p:spPr>
           <a:xfrm>
-            <a:off x="7931146" y="2224931"/>
+            <a:off x="7484579" y="2224931"/>
             <a:ext cx="0" cy="1806784"/>
           </a:xfrm>
           <a:prstGeom prst="straightConnector1">
@@ -4743,7 +4092,7 @@
         </p:nvCxnSpPr>
         <p:spPr>
           <a:xfrm>
-            <a:off x="8454369" y="2224931"/>
+            <a:off x="8007802" y="2224931"/>
             <a:ext cx="0" cy="1806784"/>
           </a:xfrm>
           <a:prstGeom prst="straightConnector1">
@@ -4782,7 +4131,7 @@
         </p:nvSpPr>
         <p:spPr>
           <a:xfrm>
-            <a:off x="8543866" y="2362898"/>
+            <a:off x="8201428" y="2315201"/>
             <a:ext cx="1741787" cy="1323439"/>
           </a:xfrm>
           <a:prstGeom prst="rect">
@@ -8227,6 +7576,57 @@
           <a:chExt cx="0" cy="0"/>
         </a:xfrm>
       </p:grpSpPr>
+      <p:sp>
+        <p:nvSpPr>
+          <p:cNvPr id="44" name="Rectangle 43">
+            <a:extLst>
+              <a:ext uri="{FF2B5EF4-FFF2-40B4-BE49-F238E27FC236}">
+                <a16:creationId xmlns:a16="http://schemas.microsoft.com/office/drawing/2014/main" id="{47F5B15C-691F-CD4E-1B7B-2DED9BD86A93}"/>
+              </a:ext>
+            </a:extLst>
+          </p:cNvPr>
+          <p:cNvSpPr/>
+          <p:nvPr/>
+        </p:nvSpPr>
+        <p:spPr>
+          <a:xfrm>
+            <a:off x="632637" y="260498"/>
+            <a:ext cx="11041912" cy="6251944"/>
+          </a:xfrm>
+          <a:prstGeom prst="rect">
+            <a:avLst/>
+          </a:prstGeom>
+          <a:ln w="57150">
+            <a:solidFill>
+              <a:schemeClr val="accent1"/>
+            </a:solidFill>
+          </a:ln>
+        </p:spPr>
+        <p:style>
+          <a:lnRef idx="2">
+            <a:schemeClr val="accent6"/>
+          </a:lnRef>
+          <a:fillRef idx="1">
+            <a:schemeClr val="lt1"/>
+          </a:fillRef>
+          <a:effectRef idx="0">
+            <a:schemeClr val="accent6"/>
+          </a:effectRef>
+          <a:fontRef idx="minor">
+            <a:schemeClr val="dk1"/>
+          </a:fontRef>
+        </p:style>
+        <p:txBody>
+          <a:bodyPr rtlCol="0" anchor="t"/>
+          <a:lstStyle/>
+          <a:p>
+            <a:r>
+              <a:rPr lang="en-US" sz="3600" dirty="0"/>
+              <a:t>SimEnvironment</a:t>
+            </a:r>
+          </a:p>
+        </p:txBody>
+      </p:sp>
     </p:spTree>
     <p:extLst>
       <p:ext uri="{BB962C8B-B14F-4D97-AF65-F5344CB8AC3E}">
